--- a/Plan/중간 발표 최종.pptx
+++ b/Plan/중간 발표 최종.pptx
@@ -8131,7 +8131,7 @@
               <a:pPr>
                 <a:defRPr/>
               </a:pPr>
-              <a:t>2021-05-12</a:t>
+              <a:t>2021-05-15</a:t>
             </a:fld>
             <a:endParaRPr lang="ko-KR" altLang="en-US"/>
           </a:p>
@@ -15200,7 +15200,7 @@
             </a:pPr>
             <a:fld id="{5486899A-B482-468C-B803-6F9DCCC41057}" type="datetime1">
               <a:rPr lang="ko-KR" altLang="en-US" smtClean="0"/>
-              <a:t>2021-05-12</a:t>
+              <a:t>2021-05-15</a:t>
             </a:fld>
             <a:endParaRPr lang="ko-KR" altLang="en-US"/>
           </a:p>
@@ -15410,7 +15410,7 @@
             </a:pPr>
             <a:fld id="{0C6B3E7E-942D-4D2B-A87A-646E5F906C86}" type="datetime1">
               <a:rPr lang="ko-KR" altLang="en-US" smtClean="0"/>
-              <a:t>2021-05-12</a:t>
+              <a:t>2021-05-15</a:t>
             </a:fld>
             <a:endParaRPr lang="ko-KR" altLang="en-US"/>
           </a:p>
@@ -15630,7 +15630,7 @@
             </a:pPr>
             <a:fld id="{79C27E8B-F4DE-43E1-8EF5-1B1D4A21E4F0}" type="datetime1">
               <a:rPr lang="ko-KR" altLang="en-US" smtClean="0"/>
-              <a:t>2021-05-12</a:t>
+              <a:t>2021-05-15</a:t>
             </a:fld>
             <a:endParaRPr lang="ko-KR" altLang="en-US"/>
           </a:p>
@@ -15840,7 +15840,7 @@
             </a:pPr>
             <a:fld id="{322B7E88-5B86-4C22-A81D-379C98FCAB6E}" type="datetime1">
               <a:rPr lang="ko-KR" altLang="en-US" smtClean="0"/>
-              <a:t>2021-05-12</a:t>
+              <a:t>2021-05-15</a:t>
             </a:fld>
             <a:endParaRPr lang="ko-KR" altLang="en-US"/>
           </a:p>
@@ -16127,7 +16127,7 @@
             </a:pPr>
             <a:fld id="{E8584FE7-2774-4C72-98FC-D5B4D89793B2}" type="datetime1">
               <a:rPr lang="ko-KR" altLang="en-US" smtClean="0"/>
-              <a:t>2021-05-12</a:t>
+              <a:t>2021-05-15</a:t>
             </a:fld>
             <a:endParaRPr lang="ko-KR" altLang="en-US"/>
           </a:p>
@@ -16454,7 +16454,7 @@
             </a:pPr>
             <a:fld id="{B0C6F375-9695-4305-B5ED-BF1233E2F3B0}" type="datetime1">
               <a:rPr lang="ko-KR" altLang="en-US" smtClean="0"/>
-              <a:t>2021-05-12</a:t>
+              <a:t>2021-05-15</a:t>
             </a:fld>
             <a:endParaRPr lang="ko-KR" altLang="en-US"/>
           </a:p>
@@ -16915,7 +16915,7 @@
             </a:pPr>
             <a:fld id="{AFB6D677-936A-4805-A534-532CEEEE8EF0}" type="datetime1">
               <a:rPr lang="ko-KR" altLang="en-US" smtClean="0"/>
-              <a:t>2021-05-12</a:t>
+              <a:t>2021-05-15</a:t>
             </a:fld>
             <a:endParaRPr lang="ko-KR" altLang="en-US"/>
           </a:p>
@@ -17074,7 +17074,7 @@
             </a:pPr>
             <a:fld id="{6E30873D-3A7F-447D-8C7C-6ECF4BDEAE3B}" type="datetime1">
               <a:rPr lang="ko-KR" altLang="en-US" smtClean="0"/>
-              <a:t>2021-05-12</a:t>
+              <a:t>2021-05-15</a:t>
             </a:fld>
             <a:endParaRPr lang="ko-KR" altLang="en-US"/>
           </a:p>
@@ -17211,7 +17211,7 @@
             </a:pPr>
             <a:fld id="{E5D6B1F7-A3D7-4F1E-BC40-49F0A0DB361D}" type="datetime1">
               <a:rPr lang="ko-KR" altLang="en-US" smtClean="0"/>
-              <a:t>2021-05-12</a:t>
+              <a:t>2021-05-15</a:t>
             </a:fld>
             <a:endParaRPr lang="ko-KR" altLang="en-US"/>
           </a:p>
@@ -17528,7 +17528,7 @@
             </a:pPr>
             <a:fld id="{EAA0A158-D0A2-4340-AA06-F582032B3CC8}" type="datetime1">
               <a:rPr lang="ko-KR" altLang="en-US" smtClean="0"/>
-              <a:t>2021-05-12</a:t>
+              <a:t>2021-05-15</a:t>
             </a:fld>
             <a:endParaRPr lang="ko-KR" altLang="en-US"/>
           </a:p>
@@ -17825,7 +17825,7 @@
             </a:pPr>
             <a:fld id="{FD759102-C951-41EC-93B5-673FBEBA5D28}" type="datetime1">
               <a:rPr lang="ko-KR" altLang="en-US" smtClean="0"/>
-              <a:t>2021-05-12</a:t>
+              <a:t>2021-05-15</a:t>
             </a:fld>
             <a:endParaRPr lang="ko-KR" altLang="en-US"/>
           </a:p>
@@ -18148,7 +18148,7 @@
             </a:pPr>
             <a:fld id="{65CDBC82-233B-450A-ACEB-FF1DDA8518B1}" type="datetime1">
               <a:rPr lang="ko-KR" altLang="en-US" smtClean="0"/>
-              <a:t>2021-05-12</a:t>
+              <a:t>2021-05-15</a:t>
             </a:fld>
             <a:endParaRPr lang="ko-KR" altLang="en-US"/>
           </a:p>
@@ -19542,333 +19542,6 @@
           </a:p>
         </p:txBody>
       </p:sp>
-      <p:sp>
-        <p:nvSpPr>
-          <p:cNvPr id="14" name="Google Shape;58;p13">
-            <a:extLst>
-              <a:ext uri="{FF2B5EF4-FFF2-40B4-BE49-F238E27FC236}">
-                <a16:creationId xmlns:a16="http://schemas.microsoft.com/office/drawing/2014/main" id="{700B9F6E-7595-4710-A323-75FD45CB2686}"/>
-              </a:ext>
-            </a:extLst>
-          </p:cNvPr>
-          <p:cNvSpPr/>
-          <p:nvPr/>
-        </p:nvSpPr>
-        <p:spPr>
-          <a:xfrm>
-            <a:off x="828038" y="4474716"/>
-            <a:ext cx="1872300" cy="1259202"/>
-          </a:xfrm>
-          <a:prstGeom prst="roundRect">
-            <a:avLst>
-              <a:gd name="adj" fmla="val 16667"/>
-            </a:avLst>
-          </a:prstGeom>
-          <a:solidFill>
-            <a:srgbClr val="FFFFFF"/>
-          </a:solidFill>
-          <a:ln w="9525" cap="flat" cmpd="sng">
-            <a:solidFill>
-              <a:schemeClr val="dk2"/>
-            </a:solidFill>
-            <a:prstDash val="solid"/>
-            <a:round/>
-            <a:headEnd type="none" w="sm" len="sm"/>
-            <a:tailEnd type="none" w="sm" len="sm"/>
-          </a:ln>
-        </p:spPr>
-        <p:txBody>
-          <a:bodyPr spcFirstLastPara="1" wrap="square" lIns="91425" tIns="91425" rIns="91425" bIns="91425" anchor="t" anchorCtr="0">
-            <a:noAutofit/>
-          </a:bodyPr>
-          <a:lstStyle>
-            <a:defPPr marR="0" lvl="0" algn="l" rtl="0">
-              <a:lnSpc>
-                <a:spcPct val="100000"/>
-              </a:lnSpc>
-              <a:spcBef>
-                <a:spcPts val="0"/>
-              </a:spcBef>
-              <a:spcAft>
-                <a:spcPts val="0"/>
-              </a:spcAft>
-            </a:defPPr>
-            <a:lvl1pPr marR="0" lvl="0" algn="l" rtl="0">
-              <a:lnSpc>
-                <a:spcPct val="100000"/>
-              </a:lnSpc>
-              <a:spcBef>
-                <a:spcPts val="0"/>
-              </a:spcBef>
-              <a:spcAft>
-                <a:spcPts val="0"/>
-              </a:spcAft>
-              <a:buClr>
-                <a:srgbClr val="000000"/>
-              </a:buClr>
-              <a:buFont typeface="Arial"/>
-              <a:defRPr sz="1400" b="0" i="0" u="none" strike="noStrike" cap="none">
-                <a:solidFill>
-                  <a:srgbClr val="000000"/>
-                </a:solidFill>
-                <a:latin typeface="Arial"/>
-                <a:ea typeface="Arial"/>
-                <a:cs typeface="Arial"/>
-                <a:sym typeface="Arial"/>
-              </a:defRPr>
-            </a:lvl1pPr>
-            <a:lvl2pPr marR="0" lvl="1" algn="l" rtl="0">
-              <a:lnSpc>
-                <a:spcPct val="100000"/>
-              </a:lnSpc>
-              <a:spcBef>
-                <a:spcPts val="0"/>
-              </a:spcBef>
-              <a:spcAft>
-                <a:spcPts val="0"/>
-              </a:spcAft>
-              <a:buClr>
-                <a:srgbClr val="000000"/>
-              </a:buClr>
-              <a:buFont typeface="Arial"/>
-              <a:defRPr sz="1400" b="0" i="0" u="none" strike="noStrike" cap="none">
-                <a:solidFill>
-                  <a:srgbClr val="000000"/>
-                </a:solidFill>
-                <a:latin typeface="Arial"/>
-                <a:ea typeface="Arial"/>
-                <a:cs typeface="Arial"/>
-                <a:sym typeface="Arial"/>
-              </a:defRPr>
-            </a:lvl2pPr>
-            <a:lvl3pPr marR="0" lvl="2" algn="l" rtl="0">
-              <a:lnSpc>
-                <a:spcPct val="100000"/>
-              </a:lnSpc>
-              <a:spcBef>
-                <a:spcPts val="0"/>
-              </a:spcBef>
-              <a:spcAft>
-                <a:spcPts val="0"/>
-              </a:spcAft>
-              <a:buClr>
-                <a:srgbClr val="000000"/>
-              </a:buClr>
-              <a:buFont typeface="Arial"/>
-              <a:defRPr sz="1400" b="0" i="0" u="none" strike="noStrike" cap="none">
-                <a:solidFill>
-                  <a:srgbClr val="000000"/>
-                </a:solidFill>
-                <a:latin typeface="Arial"/>
-                <a:ea typeface="Arial"/>
-                <a:cs typeface="Arial"/>
-                <a:sym typeface="Arial"/>
-              </a:defRPr>
-            </a:lvl3pPr>
-            <a:lvl4pPr marR="0" lvl="3" algn="l" rtl="0">
-              <a:lnSpc>
-                <a:spcPct val="100000"/>
-              </a:lnSpc>
-              <a:spcBef>
-                <a:spcPts val="0"/>
-              </a:spcBef>
-              <a:spcAft>
-                <a:spcPts val="0"/>
-              </a:spcAft>
-              <a:buClr>
-                <a:srgbClr val="000000"/>
-              </a:buClr>
-              <a:buFont typeface="Arial"/>
-              <a:defRPr sz="1400" b="0" i="0" u="none" strike="noStrike" cap="none">
-                <a:solidFill>
-                  <a:srgbClr val="000000"/>
-                </a:solidFill>
-                <a:latin typeface="Arial"/>
-                <a:ea typeface="Arial"/>
-                <a:cs typeface="Arial"/>
-                <a:sym typeface="Arial"/>
-              </a:defRPr>
-            </a:lvl4pPr>
-            <a:lvl5pPr marR="0" lvl="4" algn="l" rtl="0">
-              <a:lnSpc>
-                <a:spcPct val="100000"/>
-              </a:lnSpc>
-              <a:spcBef>
-                <a:spcPts val="0"/>
-              </a:spcBef>
-              <a:spcAft>
-                <a:spcPts val="0"/>
-              </a:spcAft>
-              <a:buClr>
-                <a:srgbClr val="000000"/>
-              </a:buClr>
-              <a:buFont typeface="Arial"/>
-              <a:defRPr sz="1400" b="0" i="0" u="none" strike="noStrike" cap="none">
-                <a:solidFill>
-                  <a:srgbClr val="000000"/>
-                </a:solidFill>
-                <a:latin typeface="Arial"/>
-                <a:ea typeface="Arial"/>
-                <a:cs typeface="Arial"/>
-                <a:sym typeface="Arial"/>
-              </a:defRPr>
-            </a:lvl5pPr>
-            <a:lvl6pPr marR="0" lvl="5" algn="l" rtl="0">
-              <a:lnSpc>
-                <a:spcPct val="100000"/>
-              </a:lnSpc>
-              <a:spcBef>
-                <a:spcPts val="0"/>
-              </a:spcBef>
-              <a:spcAft>
-                <a:spcPts val="0"/>
-              </a:spcAft>
-              <a:buClr>
-                <a:srgbClr val="000000"/>
-              </a:buClr>
-              <a:buFont typeface="Arial"/>
-              <a:defRPr sz="1400" b="0" i="0" u="none" strike="noStrike" cap="none">
-                <a:solidFill>
-                  <a:srgbClr val="000000"/>
-                </a:solidFill>
-                <a:latin typeface="Arial"/>
-                <a:ea typeface="Arial"/>
-                <a:cs typeface="Arial"/>
-                <a:sym typeface="Arial"/>
-              </a:defRPr>
-            </a:lvl6pPr>
-            <a:lvl7pPr marR="0" lvl="6" algn="l" rtl="0">
-              <a:lnSpc>
-                <a:spcPct val="100000"/>
-              </a:lnSpc>
-              <a:spcBef>
-                <a:spcPts val="0"/>
-              </a:spcBef>
-              <a:spcAft>
-                <a:spcPts val="0"/>
-              </a:spcAft>
-              <a:buClr>
-                <a:srgbClr val="000000"/>
-              </a:buClr>
-              <a:buFont typeface="Arial"/>
-              <a:defRPr sz="1400" b="0" i="0" u="none" strike="noStrike" cap="none">
-                <a:solidFill>
-                  <a:srgbClr val="000000"/>
-                </a:solidFill>
-                <a:latin typeface="Arial"/>
-                <a:ea typeface="Arial"/>
-                <a:cs typeface="Arial"/>
-                <a:sym typeface="Arial"/>
-              </a:defRPr>
-            </a:lvl7pPr>
-            <a:lvl8pPr marR="0" lvl="7" algn="l" rtl="0">
-              <a:lnSpc>
-                <a:spcPct val="100000"/>
-              </a:lnSpc>
-              <a:spcBef>
-                <a:spcPts val="0"/>
-              </a:spcBef>
-              <a:spcAft>
-                <a:spcPts val="0"/>
-              </a:spcAft>
-              <a:buClr>
-                <a:srgbClr val="000000"/>
-              </a:buClr>
-              <a:buFont typeface="Arial"/>
-              <a:defRPr sz="1400" b="0" i="0" u="none" strike="noStrike" cap="none">
-                <a:solidFill>
-                  <a:srgbClr val="000000"/>
-                </a:solidFill>
-                <a:latin typeface="Arial"/>
-                <a:ea typeface="Arial"/>
-                <a:cs typeface="Arial"/>
-                <a:sym typeface="Arial"/>
-              </a:defRPr>
-            </a:lvl8pPr>
-            <a:lvl9pPr marR="0" lvl="8" algn="l" rtl="0">
-              <a:lnSpc>
-                <a:spcPct val="100000"/>
-              </a:lnSpc>
-              <a:spcBef>
-                <a:spcPts val="0"/>
-              </a:spcBef>
-              <a:spcAft>
-                <a:spcPts val="0"/>
-              </a:spcAft>
-              <a:buClr>
-                <a:srgbClr val="000000"/>
-              </a:buClr>
-              <a:buFont typeface="Arial"/>
-              <a:defRPr sz="1400" b="0" i="0" u="none" strike="noStrike" cap="none">
-                <a:solidFill>
-                  <a:srgbClr val="000000"/>
-                </a:solidFill>
-                <a:latin typeface="Arial"/>
-                <a:ea typeface="Arial"/>
-                <a:cs typeface="Arial"/>
-                <a:sym typeface="Arial"/>
-              </a:defRPr>
-            </a:lvl9pPr>
-          </a:lstStyle>
-          <a:p>
-            <a:pPr marL="0" lvl="0" indent="0" algn="ctr" rtl="0">
-              <a:spcBef>
-                <a:spcPts val="0"/>
-              </a:spcBef>
-              <a:spcAft>
-                <a:spcPts val="0"/>
-              </a:spcAft>
-              <a:buNone/>
-            </a:pPr>
-            <a:r>
-              <a:rPr lang="en-US" altLang="ko" dirty="0"/>
-              <a:t>Professor. </a:t>
-            </a:r>
-            <a:r>
-              <a:rPr lang="ko-KR" altLang="en-US" dirty="0"/>
-              <a:t>윤정현</a:t>
-            </a:r>
-          </a:p>
-        </p:txBody>
-      </p:sp>
-      <p:cxnSp>
-        <p:nvCxnSpPr>
-          <p:cNvPr id="3" name="직선 연결선 2">
-            <a:extLst>
-              <a:ext uri="{FF2B5EF4-FFF2-40B4-BE49-F238E27FC236}">
-                <a16:creationId xmlns:a16="http://schemas.microsoft.com/office/drawing/2014/main" id="{B3FC2672-79E2-4ED6-8F31-8BAA98390A27}"/>
-              </a:ext>
-            </a:extLst>
-          </p:cNvPr>
-          <p:cNvCxnSpPr>
-            <a:cxnSpLocks/>
-          </p:cNvCxnSpPr>
-          <p:nvPr/>
-        </p:nvCxnSpPr>
-        <p:spPr>
-          <a:xfrm>
-            <a:off x="828038" y="4873841"/>
-            <a:ext cx="1872300" cy="0"/>
-          </a:xfrm>
-          <a:prstGeom prst="line">
-            <a:avLst/>
-          </a:prstGeom>
-        </p:spPr>
-        <p:style>
-          <a:lnRef idx="1">
-            <a:schemeClr val="accent1"/>
-          </a:lnRef>
-          <a:fillRef idx="0">
-            <a:schemeClr val="accent1"/>
-          </a:fillRef>
-          <a:effectRef idx="0">
-            <a:schemeClr val="accent1"/>
-          </a:effectRef>
-          <a:fontRef idx="minor">
-            <a:schemeClr val="tx1"/>
-          </a:fontRef>
-        </p:style>
-      </p:cxnSp>
       <p:sp>
         <p:nvSpPr>
           <p:cNvPr id="20" name="슬라이드 번호 개체 틀 1">
@@ -38580,12 +38253,6 @@
 </file>
 
 <file path=customXml/item1.xml><?xml version="1.0" encoding="utf-8"?>
-<p:properties xmlns:p="http://schemas.microsoft.com/office/2006/metadata/properties" xmlns:xsi="http://www.w3.org/2001/XMLSchema-instance" xmlns:pc="http://schemas.microsoft.com/office/infopath/2007/PartnerControls">
-  <documentManagement/>
-</p:properties>
-</file>
-
-<file path=customXml/item2.xml><?xml version="1.0" encoding="utf-8"?>
 <ct:contentTypeSchema xmlns:ct="http://schemas.microsoft.com/office/2006/metadata/contentType" xmlns:ma="http://schemas.microsoft.com/office/2006/metadata/properties/metaAttributes" ct:_="" ma:_="" ma:contentTypeName="문서" ma:contentTypeID="0x010100AB878E01F303B8478CEB75E5AED0817A" ma:contentTypeVersion="7" ma:contentTypeDescription="새 문서를 만듭니다." ma:contentTypeScope="" ma:versionID="fbeb5efc454f6e0af3a24ee52947e549">
   <xsd:schema xmlns:xsd="http://www.w3.org/2001/XMLSchema" xmlns:xs="http://www.w3.org/2001/XMLSchema" xmlns:p="http://schemas.microsoft.com/office/2006/metadata/properties" xmlns:ns3="04409646-2f61-4cf4-aae7-4c1eb1a4b130" targetNamespace="http://schemas.microsoft.com/office/2006/metadata/properties" ma:root="true" ma:fieldsID="651a2fbc7edf91fa3c3035f14f1ecf22" ns3:_="">
     <xsd:import namespace="04409646-2f61-4cf4-aae7-4c1eb1a4b130"/>
@@ -38749,6 +38416,12 @@
 </ct:contentTypeSchema>
 </file>
 
+<file path=customXml/item2.xml><?xml version="1.0" encoding="utf-8"?>
+<p:properties xmlns:p="http://schemas.microsoft.com/office/2006/metadata/properties" xmlns:xsi="http://www.w3.org/2001/XMLSchema-instance" xmlns:pc="http://schemas.microsoft.com/office/infopath/2007/PartnerControls">
+  <documentManagement/>
+</p:properties>
+</file>
+
 <file path=customXml/item3.xml><?xml version="1.0" encoding="utf-8"?>
 <?mso-contentType ?>
 <FormTemplates xmlns="http://schemas.microsoft.com/sharepoint/v3/contenttype/forms">
@@ -38759,22 +38432,6 @@
 </file>
 
 <file path=customXml/itemProps1.xml><?xml version="1.0" encoding="utf-8"?>
-<ds:datastoreItem xmlns:ds="http://schemas.openxmlformats.org/officeDocument/2006/customXml" ds:itemID="{4889F10F-CE73-4AEC-ADEF-12951F88791D}">
-  <ds:schemaRefs>
-    <ds:schemaRef ds:uri="http://purl.org/dc/elements/1.1/"/>
-    <ds:schemaRef ds:uri="http://purl.org/dc/dcmitype/"/>
-    <ds:schemaRef ds:uri="http://schemas.openxmlformats.org/package/2006/metadata/core-properties"/>
-    <ds:schemaRef ds:uri="04409646-2f61-4cf4-aae7-4c1eb1a4b130"/>
-    <ds:schemaRef ds:uri="http://schemas.microsoft.com/office/2006/documentManagement/types"/>
-    <ds:schemaRef ds:uri="http://www.w3.org/XML/1998/namespace"/>
-    <ds:schemaRef ds:uri="http://purl.org/dc/terms/"/>
-    <ds:schemaRef ds:uri="http://schemas.microsoft.com/office/infopath/2007/PartnerControls"/>
-    <ds:schemaRef ds:uri="http://schemas.microsoft.com/office/2006/metadata/properties"/>
-  </ds:schemaRefs>
-</ds:datastoreItem>
-</file>
-
-<file path=customXml/itemProps2.xml><?xml version="1.0" encoding="utf-8"?>
 <ds:datastoreItem xmlns:ds="http://schemas.openxmlformats.org/officeDocument/2006/customXml" ds:itemID="{3A3154A7-F743-4D57-A5EF-E26FDFD37CD0}">
   <ds:schemaRefs>
     <ds:schemaRef ds:uri="http://schemas.microsoft.com/office/2006/metadata/contentType"/>
@@ -38792,6 +38449,22 @@
 </ds:datastoreItem>
 </file>
 
+<file path=customXml/itemProps2.xml><?xml version="1.0" encoding="utf-8"?>
+<ds:datastoreItem xmlns:ds="http://schemas.openxmlformats.org/officeDocument/2006/customXml" ds:itemID="{4889F10F-CE73-4AEC-ADEF-12951F88791D}">
+  <ds:schemaRefs>
+    <ds:schemaRef ds:uri="http://purl.org/dc/elements/1.1/"/>
+    <ds:schemaRef ds:uri="http://purl.org/dc/dcmitype/"/>
+    <ds:schemaRef ds:uri="http://schemas.openxmlformats.org/package/2006/metadata/core-properties"/>
+    <ds:schemaRef ds:uri="04409646-2f61-4cf4-aae7-4c1eb1a4b130"/>
+    <ds:schemaRef ds:uri="http://schemas.microsoft.com/office/2006/documentManagement/types"/>
+    <ds:schemaRef ds:uri="http://www.w3.org/XML/1998/namespace"/>
+    <ds:schemaRef ds:uri="http://purl.org/dc/terms/"/>
+    <ds:schemaRef ds:uri="http://schemas.microsoft.com/office/infopath/2007/PartnerControls"/>
+    <ds:schemaRef ds:uri="http://schemas.microsoft.com/office/2006/metadata/properties"/>
+  </ds:schemaRefs>
+</ds:datastoreItem>
+</file>
+
 <file path=customXml/itemProps3.xml><?xml version="1.0" encoding="utf-8"?>
 <ds:datastoreItem xmlns:ds="http://schemas.openxmlformats.org/officeDocument/2006/customXml" ds:itemID="{3AA616D0-47C8-40AE-B04A-7166E7AB6CE9}">
   <ds:schemaRefs>
